--- a/PresentationDS_Final.pptx
+++ b/PresentationDS_Final.pptx
@@ -13853,72 +13853,6 @@
       </p:grpSpPr>
       <p:sp>
         <p:nvSpPr>
-          <p:cNvPr id="51" name="Rectangle 50">
-            <a:extLst>
-              <a:ext uri="{FF2B5EF4-FFF2-40B4-BE49-F238E27FC236}">
-                <a16:creationId xmlns:a16="http://schemas.microsoft.com/office/drawing/2014/main" id="{C0B27210-D0CA-4654-B3E3-9ABB4F178EA1}"/>
-              </a:ext>
-              <a:ext uri="{C183D7F6-B498-43B3-948B-1728B52AA6E4}">
-                <adec:decorative xmlns:adec="http://schemas.microsoft.com/office/drawing/2017/decorative" val="1"/>
-              </a:ext>
-            </a:extLst>
-          </p:cNvPr>
-          <p:cNvSpPr>
-            <a:spLocks noGrp="1" noRot="1" noChangeAspect="1" noMove="1" noResize="1" noEditPoints="1" noAdjustHandles="1" noChangeArrowheads="1" noChangeShapeType="1" noTextEdit="1"/>
-          </p:cNvSpPr>
-          <p:nvPr>
-            <p:extLst>
-              <p:ext uri="{386F3935-93C4-4BCD-93E2-E3B085C9AB24}">
-                <p16:designElem xmlns:p16="http://schemas.microsoft.com/office/powerpoint/2015/main" val="1"/>
-              </p:ext>
-            </p:extLst>
-          </p:nvPr>
-        </p:nvSpPr>
-        <p:spPr>
-          <a:xfrm>
-            <a:off x="0" y="0"/>
-            <a:ext cx="12192000" cy="6858000"/>
-          </a:xfrm>
-          <a:prstGeom prst="rect">
-            <a:avLst/>
-          </a:prstGeom>
-          <a:solidFill>
-            <a:schemeClr val="tx1">
-              <a:lumMod val="75000"/>
-              <a:lumOff val="25000"/>
-            </a:schemeClr>
-          </a:solidFill>
-          <a:ln>
-            <a:noFill/>
-          </a:ln>
-        </p:spPr>
-        <p:style>
-          <a:lnRef idx="2">
-            <a:schemeClr val="accent1">
-              <a:shade val="50000"/>
-            </a:schemeClr>
-          </a:lnRef>
-          <a:fillRef idx="1">
-            <a:schemeClr val="accent1"/>
-          </a:fillRef>
-          <a:effectRef idx="0">
-            <a:schemeClr val="accent1"/>
-          </a:effectRef>
-          <a:fontRef idx="minor">
-            <a:schemeClr val="lt1"/>
-          </a:fontRef>
-        </p:style>
-        <p:txBody>
-          <a:bodyPr rtlCol="0" anchor="ctr"/>
-          <a:lstStyle/>
-          <a:p>
-            <a:pPr algn="ctr"/>
-            <a:endParaRPr lang="en-US"/>
-          </a:p>
-        </p:txBody>
-      </p:sp>
-      <p:sp>
-        <p:nvSpPr>
           <p:cNvPr id="2" name="Title 1">
             <a:extLst>
               <a:ext uri="{FF2B5EF4-FFF2-40B4-BE49-F238E27FC236}">
@@ -13935,366 +13869,30 @@
         </p:nvSpPr>
         <p:spPr>
           <a:xfrm>
-            <a:off x="6746628" y="1783959"/>
-            <a:ext cx="4645250" cy="2889114"/>
+            <a:off x="2370667" y="2187743"/>
+            <a:ext cx="5293449" cy="2482515"/>
           </a:xfrm>
         </p:spPr>
         <p:txBody>
-          <a:bodyPr anchor="b">
+          <a:bodyPr vert="horz" lIns="91440" tIns="45720" rIns="91440" bIns="45720" rtlCol="0" anchor="ctr">
             <a:normAutofit/>
           </a:bodyPr>
           <a:lstStyle/>
           <a:p>
             <a:pPr algn="l"/>
             <a:r>
-              <a:rPr lang="en-US" sz="4700">
-                <a:solidFill>
-                  <a:schemeClr val="bg1"/>
-                </a:solidFill>
-              </a:rPr>
+              <a:rPr lang="en-US" sz="4200"/>
               <a:t>What are the educational requirements for data science jobs?</a:t>
             </a:r>
-          </a:p>
-        </p:txBody>
-      </p:sp>
-      <p:sp>
-        <p:nvSpPr>
-          <p:cNvPr id="53" name="Freeform: Shape 52">
-            <a:extLst>
-              <a:ext uri="{FF2B5EF4-FFF2-40B4-BE49-F238E27FC236}">
-                <a16:creationId xmlns:a16="http://schemas.microsoft.com/office/drawing/2014/main" id="{1DB7C82F-AB7E-4F0C-B829-FA1B9C415180}"/>
-              </a:ext>
-              <a:ext uri="{C183D7F6-B498-43B3-948B-1728B52AA6E4}">
-                <adec:decorative xmlns:adec="http://schemas.microsoft.com/office/drawing/2017/decorative" val="1"/>
-              </a:ext>
-            </a:extLst>
-          </p:cNvPr>
-          <p:cNvSpPr>
-            <a:spLocks noGrp="1" noRot="1" noChangeAspect="1" noMove="1" noResize="1" noEditPoints="1" noAdjustHandles="1" noChangeArrowheads="1" noChangeShapeType="1" noTextEdit="1"/>
-          </p:cNvSpPr>
-          <p:nvPr>
-            <p:extLst>
-              <p:ext uri="{386F3935-93C4-4BCD-93E2-E3B085C9AB24}">
-                <p16:designElem xmlns:p16="http://schemas.microsoft.com/office/powerpoint/2015/main" val="1"/>
-              </p:ext>
-            </p:extLst>
-          </p:nvPr>
-        </p:nvSpPr>
-        <p:spPr>
-          <a:xfrm flipH="1">
-            <a:off x="0" y="0"/>
-            <a:ext cx="6172782" cy="6858000"/>
-          </a:xfrm>
-          <a:custGeom>
-            <a:avLst/>
-            <a:gdLst>
-              <a:gd name="connsiteX0" fmla="*/ 6172782 w 6172782"/>
-              <a:gd name="connsiteY0" fmla="*/ 0 h 6858000"/>
-              <a:gd name="connsiteX1" fmla="*/ 69075 w 6172782"/>
-              <a:gd name="connsiteY1" fmla="*/ 0 h 6858000"/>
-              <a:gd name="connsiteX2" fmla="*/ 35131 w 6172782"/>
-              <a:gd name="connsiteY2" fmla="*/ 267128 h 6858000"/>
-              <a:gd name="connsiteX3" fmla="*/ 0 w 6172782"/>
-              <a:gd name="connsiteY3" fmla="*/ 962845 h 6858000"/>
-              <a:gd name="connsiteX4" fmla="*/ 3276103 w 6172782"/>
-              <a:gd name="connsiteY4" fmla="*/ 6782205 h 6858000"/>
-              <a:gd name="connsiteX5" fmla="*/ 3407923 w 6172782"/>
-              <a:gd name="connsiteY5" fmla="*/ 6858000 h 6858000"/>
-              <a:gd name="connsiteX6" fmla="*/ 6172782 w 6172782"/>
-              <a:gd name="connsiteY6" fmla="*/ 6858000 h 6858000"/>
-            </a:gdLst>
-            <a:ahLst/>
-            <a:cxnLst>
-              <a:cxn ang="0">
-                <a:pos x="connsiteX0" y="connsiteY0"/>
-              </a:cxn>
-              <a:cxn ang="0">
-                <a:pos x="connsiteX1" y="connsiteY1"/>
-              </a:cxn>
-              <a:cxn ang="0">
-                <a:pos x="connsiteX2" y="connsiteY2"/>
-              </a:cxn>
-              <a:cxn ang="0">
-                <a:pos x="connsiteX3" y="connsiteY3"/>
-              </a:cxn>
-              <a:cxn ang="0">
-                <a:pos x="connsiteX4" y="connsiteY4"/>
-              </a:cxn>
-              <a:cxn ang="0">
-                <a:pos x="connsiteX5" y="connsiteY5"/>
-              </a:cxn>
-              <a:cxn ang="0">
-                <a:pos x="connsiteX6" y="connsiteY6"/>
-              </a:cxn>
-            </a:cxnLst>
-            <a:rect l="l" t="t" r="r" b="b"/>
-            <a:pathLst>
-              <a:path w="6172782" h="6858000">
-                <a:moveTo>
-                  <a:pt x="6172782" y="0"/>
-                </a:moveTo>
-                <a:lnTo>
-                  <a:pt x="69075" y="0"/>
-                </a:lnTo>
-                <a:lnTo>
-                  <a:pt x="35131" y="267128"/>
-                </a:lnTo>
-                <a:cubicBezTo>
-                  <a:pt x="11901" y="495874"/>
-                  <a:pt x="0" y="727970"/>
-                  <a:pt x="0" y="962845"/>
-                </a:cubicBezTo>
-                <a:cubicBezTo>
-                  <a:pt x="0" y="3429034"/>
-                  <a:pt x="1312002" y="5588789"/>
-                  <a:pt x="3276103" y="6782205"/>
-                </a:cubicBezTo>
-                <a:lnTo>
-                  <a:pt x="3407923" y="6858000"/>
-                </a:lnTo>
-                <a:lnTo>
-                  <a:pt x="6172782" y="6858000"/>
-                </a:lnTo>
-                <a:close/>
-              </a:path>
-            </a:pathLst>
-          </a:custGeom>
-          <a:solidFill>
-            <a:schemeClr val="bg1">
-              <a:alpha val="80000"/>
-            </a:schemeClr>
-          </a:solidFill>
-          <a:ln>
-            <a:noFill/>
-          </a:ln>
-        </p:spPr>
-        <p:style>
-          <a:lnRef idx="2">
-            <a:schemeClr val="accent1">
-              <a:shade val="50000"/>
-            </a:schemeClr>
-          </a:lnRef>
-          <a:fillRef idx="1">
-            <a:schemeClr val="accent1"/>
-          </a:fillRef>
-          <a:effectRef idx="0">
-            <a:schemeClr val="accent1"/>
-          </a:effectRef>
-          <a:fontRef idx="minor">
-            <a:schemeClr val="lt1"/>
-          </a:fontRef>
-        </p:style>
-        <p:txBody>
-          <a:bodyPr wrap="square" rtlCol="0" anchor="ctr">
-            <a:noAutofit/>
-          </a:bodyPr>
-          <a:lstStyle/>
-          <a:p>
-            <a:pPr marL="0" marR="0" lvl="0" indent="0" algn="ctr" defTabSz="914400" rtl="0" eaLnBrk="1" fontAlgn="auto" latinLnBrk="0" hangingPunct="1">
-              <a:lnSpc>
-                <a:spcPct val="100000"/>
-              </a:lnSpc>
-              <a:spcBef>
-                <a:spcPts val="0"/>
-              </a:spcBef>
-              <a:spcAft>
-                <a:spcPts val="0"/>
-              </a:spcAft>
-              <a:buClrTx/>
-              <a:buSzTx/>
-              <a:buFontTx/>
-              <a:buNone/>
-              <a:tabLst/>
-              <a:defRPr/>
-            </a:pPr>
-            <a:endParaRPr kumimoji="0" lang="en-US" sz="1800" b="0" i="0" u="none" strike="noStrike" kern="1200" cap="none" spc="0" normalizeH="0" baseline="0" noProof="0">
-              <a:ln>
-                <a:noFill/>
-              </a:ln>
-              <a:solidFill>
-                <a:prstClr val="white"/>
-              </a:solidFill>
-              <a:effectLst/>
-              <a:uLnTx/>
-              <a:uFillTx/>
-              <a:latin typeface="Calibri" panose="020F0502020204030204"/>
-              <a:ea typeface="+mn-ea"/>
-              <a:cs typeface="+mn-cs"/>
-            </a:endParaRPr>
-          </a:p>
-        </p:txBody>
-      </p:sp>
-      <p:sp>
-        <p:nvSpPr>
-          <p:cNvPr id="59" name="Freeform: Shape 54">
-            <a:extLst>
-              <a:ext uri="{FF2B5EF4-FFF2-40B4-BE49-F238E27FC236}">
-                <a16:creationId xmlns:a16="http://schemas.microsoft.com/office/drawing/2014/main" id="{70B66945-4967-4040-926D-DCA44313CDAB}"/>
-              </a:ext>
-              <a:ext uri="{C183D7F6-B498-43B3-948B-1728B52AA6E4}">
-                <adec:decorative xmlns:adec="http://schemas.microsoft.com/office/drawing/2017/decorative" val="1"/>
-              </a:ext>
-            </a:extLst>
-          </p:cNvPr>
-          <p:cNvSpPr>
-            <a:spLocks noGrp="1" noRot="1" noChangeAspect="1" noMove="1" noResize="1" noEditPoints="1" noAdjustHandles="1" noChangeArrowheads="1" noChangeShapeType="1" noTextEdit="1"/>
-          </p:cNvSpPr>
-          <p:nvPr>
-            <p:extLst>
-              <p:ext uri="{386F3935-93C4-4BCD-93E2-E3B085C9AB24}">
-                <p16:designElem xmlns:p16="http://schemas.microsoft.com/office/powerpoint/2015/main" val="1"/>
-              </p:ext>
-            </p:extLst>
-          </p:nvPr>
-        </p:nvSpPr>
-        <p:spPr>
-          <a:xfrm>
-            <a:off x="0" y="0"/>
-            <a:ext cx="6024154" cy="6858000"/>
-          </a:xfrm>
-          <a:custGeom>
-            <a:avLst/>
-            <a:gdLst>
-              <a:gd name="connsiteX0" fmla="*/ 0 w 6024154"/>
-              <a:gd name="connsiteY0" fmla="*/ 0 h 6858000"/>
-              <a:gd name="connsiteX1" fmla="*/ 5953780 w 6024154"/>
-              <a:gd name="connsiteY1" fmla="*/ 0 h 6858000"/>
-              <a:gd name="connsiteX2" fmla="*/ 5989880 w 6024154"/>
-              <a:gd name="connsiteY2" fmla="*/ 284091 h 6858000"/>
-              <a:gd name="connsiteX3" fmla="*/ 6024154 w 6024154"/>
-              <a:gd name="connsiteY3" fmla="*/ 962844 h 6858000"/>
-              <a:gd name="connsiteX4" fmla="*/ 2549934 w 6024154"/>
-              <a:gd name="connsiteY4" fmla="*/ 6800152 h 6858000"/>
-              <a:gd name="connsiteX5" fmla="*/ 2436987 w 6024154"/>
-              <a:gd name="connsiteY5" fmla="*/ 6858000 h 6858000"/>
-              <a:gd name="connsiteX6" fmla="*/ 0 w 6024154"/>
-              <a:gd name="connsiteY6" fmla="*/ 6858000 h 6858000"/>
-            </a:gdLst>
-            <a:ahLst/>
-            <a:cxnLst>
-              <a:cxn ang="0">
-                <a:pos x="connsiteX0" y="connsiteY0"/>
-              </a:cxn>
-              <a:cxn ang="0">
-                <a:pos x="connsiteX1" y="connsiteY1"/>
-              </a:cxn>
-              <a:cxn ang="0">
-                <a:pos x="connsiteX2" y="connsiteY2"/>
-              </a:cxn>
-              <a:cxn ang="0">
-                <a:pos x="connsiteX3" y="connsiteY3"/>
-              </a:cxn>
-              <a:cxn ang="0">
-                <a:pos x="connsiteX4" y="connsiteY4"/>
-              </a:cxn>
-              <a:cxn ang="0">
-                <a:pos x="connsiteX5" y="connsiteY5"/>
-              </a:cxn>
-              <a:cxn ang="0">
-                <a:pos x="connsiteX6" y="connsiteY6"/>
-              </a:cxn>
-            </a:cxnLst>
-            <a:rect l="l" t="t" r="r" b="b"/>
-            <a:pathLst>
-              <a:path w="6024154" h="6858000">
-                <a:moveTo>
-                  <a:pt x="0" y="0"/>
-                </a:moveTo>
-                <a:lnTo>
-                  <a:pt x="5953780" y="0"/>
-                </a:lnTo>
-                <a:lnTo>
-                  <a:pt x="5989880" y="284091"/>
-                </a:lnTo>
-                <a:cubicBezTo>
-                  <a:pt x="6012544" y="507260"/>
-                  <a:pt x="6024154" y="733696"/>
-                  <a:pt x="6024154" y="962844"/>
-                </a:cubicBezTo>
-                <a:cubicBezTo>
-                  <a:pt x="6024154" y="3483472"/>
-                  <a:pt x="4619336" y="5675986"/>
-                  <a:pt x="2549934" y="6800152"/>
-                </a:cubicBezTo>
-                <a:lnTo>
-                  <a:pt x="2436987" y="6858000"/>
-                </a:lnTo>
-                <a:lnTo>
-                  <a:pt x="0" y="6858000"/>
-                </a:lnTo>
-                <a:close/>
-              </a:path>
-            </a:pathLst>
-          </a:custGeom>
-          <a:solidFill>
-            <a:schemeClr val="bg1"/>
-          </a:solidFill>
-          <a:ln>
-            <a:noFill/>
-          </a:ln>
-        </p:spPr>
-        <p:style>
-          <a:lnRef idx="2">
-            <a:schemeClr val="accent1">
-              <a:shade val="50000"/>
-            </a:schemeClr>
-          </a:lnRef>
-          <a:fillRef idx="1">
-            <a:schemeClr val="accent1"/>
-          </a:fillRef>
-          <a:effectRef idx="0">
-            <a:schemeClr val="accent1"/>
-          </a:effectRef>
-          <a:fontRef idx="minor">
-            <a:schemeClr val="lt1"/>
-          </a:fontRef>
-        </p:style>
-        <p:txBody>
-          <a:bodyPr wrap="square" rtlCol="0" anchor="ctr">
-            <a:noAutofit/>
-          </a:bodyPr>
-          <a:lstStyle/>
-          <a:p>
-            <a:pPr marL="0" marR="0" lvl="0" indent="0" algn="ctr" defTabSz="914400" rtl="0" eaLnBrk="1" fontAlgn="auto" latinLnBrk="0" hangingPunct="1">
-              <a:lnSpc>
-                <a:spcPct val="100000"/>
-              </a:lnSpc>
-              <a:spcBef>
-                <a:spcPts val="0"/>
-              </a:spcBef>
-              <a:spcAft>
-                <a:spcPts val="0"/>
-              </a:spcAft>
-              <a:buClrTx/>
-              <a:buSzTx/>
-              <a:buFontTx/>
-              <a:buNone/>
-              <a:tabLst/>
-              <a:defRPr/>
-            </a:pPr>
-            <a:endParaRPr kumimoji="0" lang="en-US" sz="1800" b="0" i="0" u="none" strike="noStrike" kern="1200" cap="none" spc="0" normalizeH="0" baseline="0" noProof="0">
-              <a:ln>
-                <a:noFill/>
-              </a:ln>
-              <a:solidFill>
-                <a:prstClr val="white"/>
-              </a:solidFill>
-              <a:effectLst/>
-              <a:uLnTx/>
-              <a:uFillTx/>
-              <a:latin typeface="Calibri" panose="020F0502020204030204"/>
-              <a:ea typeface="+mn-ea"/>
-              <a:cs typeface="+mn-cs"/>
-            </a:endParaRPr>
           </a:p>
         </p:txBody>
       </p:sp>
       <p:pic>
         <p:nvPicPr>
-          <p:cNvPr id="46" name="Graphic 45" descr="Robot">
+          <p:cNvPr id="75" name="Graphic 69" descr="Books">
             <a:extLst>
               <a:ext uri="{FF2B5EF4-FFF2-40B4-BE49-F238E27FC236}">
-                <a16:creationId xmlns:a16="http://schemas.microsoft.com/office/drawing/2014/main" id="{7B7EAEE9-4405-4B3B-ADEA-AD4D958C755B}"/>
+                <a16:creationId xmlns:a16="http://schemas.microsoft.com/office/drawing/2014/main" id="{1EE821D7-52AA-408C-B801-6C437C1B4D97}"/>
               </a:ext>
             </a:extLst>
           </p:cNvPr>
@@ -14306,6 +13904,9 @@
         <p:blipFill>
           <a:blip r:embed="rId2">
             <a:extLst>
+              <a:ext uri="{28A0092B-C50C-407E-A947-70E740481C1C}">
+                <a14:useLocalDpi xmlns:a14="http://schemas.microsoft.com/office/drawing/2010/main" val="0"/>
+              </a:ext>
               <a:ext uri="{96DAC541-7B7A-43D3-8B79-37D633B846F1}">
                 <asvg:svgBlip xmlns:asvg="http://schemas.microsoft.com/office/drawing/2016/SVG/main" r:embed="rId3"/>
               </a:ext>
@@ -14317,8 +13918,57 @@
         </p:blipFill>
         <p:spPr>
           <a:xfrm>
-            <a:off x="419382" y="720993"/>
-            <a:ext cx="4047843" cy="4047843"/>
+            <a:off x="838201" y="2743201"/>
+            <a:ext cx="1371600" cy="1371600"/>
+          </a:xfrm>
+          <a:prstGeom prst="rect">
+            <a:avLst/>
+          </a:prstGeom>
+        </p:spPr>
+      </p:pic>
+      <p:pic>
+        <p:nvPicPr>
+          <p:cNvPr id="72" name="Graphic 71">
+            <a:extLst>
+              <a:ext uri="{FF2B5EF4-FFF2-40B4-BE49-F238E27FC236}">
+                <a16:creationId xmlns:a16="http://schemas.microsoft.com/office/drawing/2014/main" id="{1BF7FCC5-6921-4628-A436-5F269942678A}"/>
+              </a:ext>
+              <a:ext uri="{C183D7F6-B498-43B3-948B-1728B52AA6E4}">
+                <adec:decorative xmlns:adec="http://schemas.microsoft.com/office/drawing/2017/decorative" val="1"/>
+              </a:ext>
+            </a:extLst>
+          </p:cNvPr>
+          <p:cNvPicPr>
+            <a:picLocks noGrp="1" noRot="1" noChangeAspect="1" noMove="1" noResize="1" noEditPoints="1" noAdjustHandles="1" noChangeArrowheads="1" noChangeShapeType="1" noCrop="1"/>
+          </p:cNvPicPr>
+          <p:nvPr>
+            <p:extLst>
+              <p:ext uri="{386F3935-93C4-4BCD-93E2-E3B085C9AB24}">
+                <p16:designElem xmlns:p16="http://schemas.microsoft.com/office/powerpoint/2015/main" val="1"/>
+              </p:ext>
+            </p:extLst>
+          </p:nvPr>
+        </p:nvPicPr>
+        <p:blipFill>
+          <a:blip r:embed="rId2">
+            <a:alphaModFix amt="15000"/>
+            <a:extLst>
+              <a:ext uri="{28A0092B-C50C-407E-A947-70E740481C1C}">
+                <a14:useLocalDpi xmlns:a14="http://schemas.microsoft.com/office/drawing/2010/main" val="0"/>
+              </a:ext>
+              <a:ext uri="{96DAC541-7B7A-43D3-8B79-37D633B846F1}">
+                <asvg:svgBlip xmlns:asvg="http://schemas.microsoft.com/office/drawing/2016/SVG/main" r:embed="rId3"/>
+              </a:ext>
+            </a:extLst>
+          </a:blip>
+          <a:stretch>
+            <a:fillRect/>
+          </a:stretch>
+        </p:blipFill>
+        <p:spPr>
+          <a:xfrm>
+            <a:off x="6641431" y="816337"/>
+            <a:ext cx="5225327" cy="5225327"/>
           </a:xfrm>
           <a:prstGeom prst="rect">
             <a:avLst/>
@@ -14698,6 +14348,239 @@
       </p:grpSpPr>
       <p:sp>
         <p:nvSpPr>
+          <p:cNvPr id="53" name="Freeform 14">
+            <a:extLst>
+              <a:ext uri="{FF2B5EF4-FFF2-40B4-BE49-F238E27FC236}">
+                <a16:creationId xmlns:a16="http://schemas.microsoft.com/office/drawing/2014/main" id="{6FC11E2E-9797-4FEA-90FD-894E32A208B5}"/>
+              </a:ext>
+              <a:ext uri="{C183D7F6-B498-43B3-948B-1728B52AA6E4}">
+                <adec:decorative xmlns:adec="http://schemas.microsoft.com/office/drawing/2017/decorative" val="1"/>
+              </a:ext>
+            </a:extLst>
+          </p:cNvPr>
+          <p:cNvSpPr>
+            <a:spLocks noGrp="1" noRot="1" noChangeAspect="1" noMove="1" noResize="1" noEditPoints="1" noAdjustHandles="1" noChangeArrowheads="1" noChangeShapeType="1" noTextEdit="1"/>
+          </p:cNvSpPr>
+          <p:nvPr>
+            <p:extLst>
+              <p:ext uri="{386F3935-93C4-4BCD-93E2-E3B085C9AB24}">
+                <p16:designElem xmlns:p16="http://schemas.microsoft.com/office/powerpoint/2015/main" val="1"/>
+              </p:ext>
+            </p:extLst>
+          </p:nvPr>
+        </p:nvSpPr>
+        <p:spPr>
+          <a:xfrm>
+            <a:off x="0" y="5448626"/>
+            <a:ext cx="6738450" cy="1409374"/>
+          </a:xfrm>
+          <a:custGeom>
+            <a:avLst/>
+            <a:gdLst>
+              <a:gd name="connsiteX0" fmla="*/ 0 w 6738450"/>
+              <a:gd name="connsiteY0" fmla="*/ 0 h 1409374"/>
+              <a:gd name="connsiteX1" fmla="*/ 6738450 w 6738450"/>
+              <a:gd name="connsiteY1" fmla="*/ 0 h 1409374"/>
+              <a:gd name="connsiteX2" fmla="*/ 6085725 w 6738450"/>
+              <a:gd name="connsiteY2" fmla="*/ 1409374 h 1409374"/>
+              <a:gd name="connsiteX3" fmla="*/ 1524000 w 6738450"/>
+              <a:gd name="connsiteY3" fmla="*/ 1409374 h 1409374"/>
+              <a:gd name="connsiteX4" fmla="*/ 1200418 w 6738450"/>
+              <a:gd name="connsiteY4" fmla="*/ 1409374 h 1409374"/>
+              <a:gd name="connsiteX5" fmla="*/ 0 w 6738450"/>
+              <a:gd name="connsiteY5" fmla="*/ 1409374 h 1409374"/>
+            </a:gdLst>
+            <a:ahLst/>
+            <a:cxnLst>
+              <a:cxn ang="0">
+                <a:pos x="connsiteX0" y="connsiteY0"/>
+              </a:cxn>
+              <a:cxn ang="0">
+                <a:pos x="connsiteX1" y="connsiteY1"/>
+              </a:cxn>
+              <a:cxn ang="0">
+                <a:pos x="connsiteX2" y="connsiteY2"/>
+              </a:cxn>
+              <a:cxn ang="0">
+                <a:pos x="connsiteX3" y="connsiteY3"/>
+              </a:cxn>
+              <a:cxn ang="0">
+                <a:pos x="connsiteX4" y="connsiteY4"/>
+              </a:cxn>
+              <a:cxn ang="0">
+                <a:pos x="connsiteX5" y="connsiteY5"/>
+              </a:cxn>
+            </a:cxnLst>
+            <a:rect l="l" t="t" r="r" b="b"/>
+            <a:pathLst>
+              <a:path w="6738450" h="1409374">
+                <a:moveTo>
+                  <a:pt x="0" y="0"/>
+                </a:moveTo>
+                <a:lnTo>
+                  <a:pt x="6738450" y="0"/>
+                </a:lnTo>
+                <a:lnTo>
+                  <a:pt x="6085725" y="1409374"/>
+                </a:lnTo>
+                <a:lnTo>
+                  <a:pt x="1524000" y="1409374"/>
+                </a:lnTo>
+                <a:lnTo>
+                  <a:pt x="1200418" y="1409374"/>
+                </a:lnTo>
+                <a:lnTo>
+                  <a:pt x="0" y="1409374"/>
+                </a:lnTo>
+                <a:close/>
+              </a:path>
+            </a:pathLst>
+          </a:custGeom>
+          <a:solidFill>
+            <a:schemeClr val="tx1">
+              <a:lumMod val="50000"/>
+              <a:lumOff val="50000"/>
+              <a:alpha val="50000"/>
+            </a:schemeClr>
+          </a:solidFill>
+          <a:ln>
+            <a:noFill/>
+          </a:ln>
+        </p:spPr>
+        <p:style>
+          <a:lnRef idx="2">
+            <a:schemeClr val="accent1">
+              <a:shade val="50000"/>
+            </a:schemeClr>
+          </a:lnRef>
+          <a:fillRef idx="1">
+            <a:schemeClr val="accent1"/>
+          </a:fillRef>
+          <a:effectRef idx="0">
+            <a:schemeClr val="accent1"/>
+          </a:effectRef>
+          <a:fontRef idx="minor">
+            <a:schemeClr val="lt1"/>
+          </a:fontRef>
+        </p:style>
+        <p:txBody>
+          <a:bodyPr wrap="square" rtlCol="0" anchor="ctr">
+            <a:noAutofit/>
+          </a:bodyPr>
+          <a:lstStyle/>
+          <a:p>
+            <a:pPr algn="ctr"/>
+            <a:endParaRPr lang="en-US"/>
+          </a:p>
+        </p:txBody>
+      </p:sp>
+      <p:sp useBgFill="1">
+        <p:nvSpPr>
+          <p:cNvPr id="55" name="Freeform 33">
+            <a:extLst>
+              <a:ext uri="{FF2B5EF4-FFF2-40B4-BE49-F238E27FC236}">
+                <a16:creationId xmlns:a16="http://schemas.microsoft.com/office/drawing/2014/main" id="{F8828EFD-56F8-4B00-9A0D-B623CC074A0E}"/>
+              </a:ext>
+              <a:ext uri="{C183D7F6-B498-43B3-948B-1728B52AA6E4}">
+                <adec:decorative xmlns:adec="http://schemas.microsoft.com/office/drawing/2017/decorative" val="1"/>
+              </a:ext>
+            </a:extLst>
+          </p:cNvPr>
+          <p:cNvSpPr>
+            <a:spLocks noGrp="1" noRot="1" noChangeAspect="1" noMove="1" noResize="1" noEditPoints="1" noAdjustHandles="1" noChangeArrowheads="1" noChangeShapeType="1" noTextEdit="1"/>
+          </p:cNvSpPr>
+          <p:nvPr>
+            <p:extLst>
+              <p:ext uri="{386F3935-93C4-4BCD-93E2-E3B085C9AB24}">
+                <p16:designElem xmlns:p16="http://schemas.microsoft.com/office/powerpoint/2015/main" val="1"/>
+              </p:ext>
+            </p:extLst>
+          </p:nvPr>
+        </p:nvSpPr>
+        <p:spPr>
+          <a:xfrm flipH="1">
+            <a:off x="6102096" y="3608996"/>
+            <a:ext cx="4522796" cy="3249004"/>
+          </a:xfrm>
+          <a:custGeom>
+            <a:avLst/>
+            <a:gdLst>
+              <a:gd name="connsiteX0" fmla="*/ 3018081 w 4522796"/>
+              <a:gd name="connsiteY0" fmla="*/ 0 h 3249004"/>
+              <a:gd name="connsiteX1" fmla="*/ 0 w 4522796"/>
+              <a:gd name="connsiteY1" fmla="*/ 0 h 3249004"/>
+              <a:gd name="connsiteX2" fmla="*/ 0 w 4522796"/>
+              <a:gd name="connsiteY2" fmla="*/ 3249004 h 3249004"/>
+              <a:gd name="connsiteX3" fmla="*/ 4522796 w 4522796"/>
+              <a:gd name="connsiteY3" fmla="*/ 3249004 h 3249004"/>
+            </a:gdLst>
+            <a:ahLst/>
+            <a:cxnLst>
+              <a:cxn ang="0">
+                <a:pos x="connsiteX0" y="connsiteY0"/>
+              </a:cxn>
+              <a:cxn ang="0">
+                <a:pos x="connsiteX1" y="connsiteY1"/>
+              </a:cxn>
+              <a:cxn ang="0">
+                <a:pos x="connsiteX2" y="connsiteY2"/>
+              </a:cxn>
+              <a:cxn ang="0">
+                <a:pos x="connsiteX3" y="connsiteY3"/>
+              </a:cxn>
+            </a:cxnLst>
+            <a:rect l="l" t="t" r="r" b="b"/>
+            <a:pathLst>
+              <a:path w="4522796" h="3249004">
+                <a:moveTo>
+                  <a:pt x="3018081" y="0"/>
+                </a:moveTo>
+                <a:lnTo>
+                  <a:pt x="0" y="0"/>
+                </a:lnTo>
+                <a:lnTo>
+                  <a:pt x="0" y="3249004"/>
+                </a:lnTo>
+                <a:lnTo>
+                  <a:pt x="4522796" y="3249004"/>
+                </a:lnTo>
+                <a:close/>
+              </a:path>
+            </a:pathLst>
+          </a:custGeom>
+          <a:ln>
+            <a:noFill/>
+          </a:ln>
+        </p:spPr>
+        <p:style>
+          <a:lnRef idx="2">
+            <a:schemeClr val="accent1">
+              <a:shade val="50000"/>
+            </a:schemeClr>
+          </a:lnRef>
+          <a:fillRef idx="1">
+            <a:schemeClr val="accent1"/>
+          </a:fillRef>
+          <a:effectRef idx="0">
+            <a:schemeClr val="accent1"/>
+          </a:effectRef>
+          <a:fontRef idx="minor">
+            <a:schemeClr val="lt1"/>
+          </a:fontRef>
+        </p:style>
+        <p:txBody>
+          <a:bodyPr wrap="square" rtlCol="0" anchor="ctr">
+            <a:noAutofit/>
+          </a:bodyPr>
+          <a:lstStyle/>
+          <a:p>
+            <a:pPr algn="ctr"/>
+            <a:endParaRPr lang="en-US" b="1"/>
+          </a:p>
+        </p:txBody>
+      </p:sp>
+      <p:sp>
+        <p:nvSpPr>
           <p:cNvPr id="2" name="Title 1">
             <a:extLst>
               <a:ext uri="{FF2B5EF4-FFF2-40B4-BE49-F238E27FC236}">
@@ -14714,12 +14597,12 @@
         </p:nvSpPr>
         <p:spPr>
           <a:xfrm>
-            <a:off x="2370667" y="2187743"/>
-            <a:ext cx="5293449" cy="2482515"/>
+            <a:off x="1524000" y="3011117"/>
+            <a:ext cx="6618051" cy="1355750"/>
           </a:xfrm>
         </p:spPr>
         <p:txBody>
-          <a:bodyPr anchor="ctr">
+          <a:bodyPr>
             <a:normAutofit/>
           </a:bodyPr>
           <a:lstStyle/>
@@ -14729,6 +14612,144 @@
               <a:rPr lang="en-US" sz="4200" dirty="0"/>
               <a:t>What are the technical skills employers are looking for?</a:t>
             </a:r>
+          </a:p>
+        </p:txBody>
+      </p:sp>
+      <p:sp>
+        <p:nvSpPr>
+          <p:cNvPr id="57" name="Freeform 24">
+            <a:extLst>
+              <a:ext uri="{FF2B5EF4-FFF2-40B4-BE49-F238E27FC236}">
+                <a16:creationId xmlns:a16="http://schemas.microsoft.com/office/drawing/2014/main" id="{3D4697C8-4A0D-4493-B526-7CC15E0EE557}"/>
+              </a:ext>
+              <a:ext uri="{C183D7F6-B498-43B3-948B-1728B52AA6E4}">
+                <adec:decorative xmlns:adec="http://schemas.microsoft.com/office/drawing/2017/decorative" val="1"/>
+              </a:ext>
+            </a:extLst>
+          </p:cNvPr>
+          <p:cNvSpPr>
+            <a:spLocks noGrp="1" noRot="1" noChangeAspect="1" noMove="1" noResize="1" noEditPoints="1" noAdjustHandles="1" noChangeArrowheads="1" noChangeShapeType="1" noTextEdit="1"/>
+          </p:cNvSpPr>
+          <p:nvPr>
+            <p:extLst>
+              <p:ext uri="{386F3935-93C4-4BCD-93E2-E3B085C9AB24}">
+                <p16:designElem xmlns:p16="http://schemas.microsoft.com/office/powerpoint/2015/main" val="1"/>
+              </p:ext>
+            </p:extLst>
+          </p:nvPr>
+        </p:nvSpPr>
+        <p:spPr>
+          <a:xfrm>
+            <a:off x="0" y="0"/>
+            <a:ext cx="5920618" cy="2896258"/>
+          </a:xfrm>
+          <a:custGeom>
+            <a:avLst/>
+            <a:gdLst>
+              <a:gd name="connsiteX0" fmla="*/ 0 w 5920618"/>
+              <a:gd name="connsiteY0" fmla="*/ 0 h 2896258"/>
+              <a:gd name="connsiteX1" fmla="*/ 3191370 w 5920618"/>
+              <a:gd name="connsiteY1" fmla="*/ 0 h 2896258"/>
+              <a:gd name="connsiteX2" fmla="*/ 3346315 w 5920618"/>
+              <a:gd name="connsiteY2" fmla="*/ 0 h 2896258"/>
+              <a:gd name="connsiteX3" fmla="*/ 5920618 w 5920618"/>
+              <a:gd name="connsiteY3" fmla="*/ 0 h 2896258"/>
+              <a:gd name="connsiteX4" fmla="*/ 4583705 w 5920618"/>
+              <a:gd name="connsiteY4" fmla="*/ 2896258 h 2896258"/>
+              <a:gd name="connsiteX5" fmla="*/ 3346315 w 5920618"/>
+              <a:gd name="connsiteY5" fmla="*/ 2896258 h 2896258"/>
+              <a:gd name="connsiteX6" fmla="*/ 1854457 w 5920618"/>
+              <a:gd name="connsiteY6" fmla="*/ 2896258 h 2896258"/>
+              <a:gd name="connsiteX7" fmla="*/ 0 w 5920618"/>
+              <a:gd name="connsiteY7" fmla="*/ 2896258 h 2896258"/>
+            </a:gdLst>
+            <a:ahLst/>
+            <a:cxnLst>
+              <a:cxn ang="0">
+                <a:pos x="connsiteX0" y="connsiteY0"/>
+              </a:cxn>
+              <a:cxn ang="0">
+                <a:pos x="connsiteX1" y="connsiteY1"/>
+              </a:cxn>
+              <a:cxn ang="0">
+                <a:pos x="connsiteX2" y="connsiteY2"/>
+              </a:cxn>
+              <a:cxn ang="0">
+                <a:pos x="connsiteX3" y="connsiteY3"/>
+              </a:cxn>
+              <a:cxn ang="0">
+                <a:pos x="connsiteX4" y="connsiteY4"/>
+              </a:cxn>
+              <a:cxn ang="0">
+                <a:pos x="connsiteX5" y="connsiteY5"/>
+              </a:cxn>
+              <a:cxn ang="0">
+                <a:pos x="connsiteX6" y="connsiteY6"/>
+              </a:cxn>
+              <a:cxn ang="0">
+                <a:pos x="connsiteX7" y="connsiteY7"/>
+              </a:cxn>
+            </a:cxnLst>
+            <a:rect l="l" t="t" r="r" b="b"/>
+            <a:pathLst>
+              <a:path w="5920618" h="2896258">
+                <a:moveTo>
+                  <a:pt x="0" y="0"/>
+                </a:moveTo>
+                <a:lnTo>
+                  <a:pt x="3191370" y="0"/>
+                </a:lnTo>
+                <a:lnTo>
+                  <a:pt x="3346315" y="0"/>
+                </a:lnTo>
+                <a:lnTo>
+                  <a:pt x="5920618" y="0"/>
+                </a:lnTo>
+                <a:lnTo>
+                  <a:pt x="4583705" y="2896258"/>
+                </a:lnTo>
+                <a:lnTo>
+                  <a:pt x="3346315" y="2896258"/>
+                </a:lnTo>
+                <a:lnTo>
+                  <a:pt x="1854457" y="2896258"/>
+                </a:lnTo>
+                <a:lnTo>
+                  <a:pt x="0" y="2896258"/>
+                </a:lnTo>
+                <a:close/>
+              </a:path>
+            </a:pathLst>
+          </a:custGeom>
+          <a:solidFill>
+            <a:srgbClr val="FFC000"/>
+          </a:solidFill>
+          <a:ln>
+            <a:noFill/>
+          </a:ln>
+        </p:spPr>
+        <p:style>
+          <a:lnRef idx="2">
+            <a:schemeClr val="accent1">
+              <a:shade val="50000"/>
+            </a:schemeClr>
+          </a:lnRef>
+          <a:fillRef idx="1">
+            <a:schemeClr val="accent1"/>
+          </a:fillRef>
+          <a:effectRef idx="0">
+            <a:schemeClr val="accent1"/>
+          </a:effectRef>
+          <a:fontRef idx="minor">
+            <a:schemeClr val="lt1"/>
+          </a:fontRef>
+        </p:style>
+        <p:txBody>
+          <a:bodyPr rtlCol="0" anchor="ctr"/>
+          <a:lstStyle/>
+          <a:p>
+            <a:pPr algn="ctr"/>
+            <a:endParaRPr lang="en-US"/>
           </a:p>
         </p:txBody>
       </p:sp>
@@ -14760,29 +14781,29 @@
         </p:blipFill>
         <p:spPr>
           <a:xfrm>
-            <a:off x="838201" y="2743201"/>
-            <a:ext cx="1371600" cy="1371600"/>
+            <a:off x="8472791" y="1184748"/>
+            <a:ext cx="3079129" cy="3079129"/>
           </a:xfrm>
           <a:prstGeom prst="rect">
             <a:avLst/>
           </a:prstGeom>
         </p:spPr>
       </p:pic>
-      <p:pic>
-        <p:nvPicPr>
-          <p:cNvPr id="48" name="Graphic 47">
+      <p:sp>
+        <p:nvSpPr>
+          <p:cNvPr id="59" name="Freeform 15">
             <a:extLst>
               <a:ext uri="{FF2B5EF4-FFF2-40B4-BE49-F238E27FC236}">
-                <a16:creationId xmlns:a16="http://schemas.microsoft.com/office/drawing/2014/main" id="{3D4E6388-3D10-4016-BD5B-1DA119568B89}"/>
+                <a16:creationId xmlns:a16="http://schemas.microsoft.com/office/drawing/2014/main" id="{A085B63A-2D2F-4B09-9BFB-E2080686CEE0}"/>
               </a:ext>
               <a:ext uri="{C183D7F6-B498-43B3-948B-1728B52AA6E4}">
                 <adec:decorative xmlns:adec="http://schemas.microsoft.com/office/drawing/2017/decorative" val="1"/>
               </a:ext>
             </a:extLst>
           </p:cNvPr>
-          <p:cNvPicPr>
-            <a:picLocks noGrp="1" noRot="1" noChangeAspect="1" noMove="1" noResize="1" noEditPoints="1" noAdjustHandles="1" noChangeArrowheads="1" noChangeShapeType="1" noCrop="1"/>
-          </p:cNvPicPr>
+          <p:cNvSpPr>
+            <a:spLocks noGrp="1" noRot="1" noChangeAspect="1" noMove="1" noResize="1" noEditPoints="1" noAdjustHandles="1" noChangeArrowheads="1" noChangeShapeType="1" noTextEdit="1"/>
+          </p:cNvSpPr>
           <p:nvPr>
             <p:extLst>
               <p:ext uri="{386F3935-93C4-4BCD-93E2-E3B085C9AB24}">
@@ -14790,33 +14811,92 @@
               </p:ext>
             </p:extLst>
           </p:nvPr>
-        </p:nvPicPr>
-        <p:blipFill>
-          <a:blip r:embed="rId4">
-            <a:alphaModFix amt="15000"/>
-            <a:extLst>
-              <a:ext uri="{28A0092B-C50C-407E-A947-70E740481C1C}">
-                <a14:useLocalDpi xmlns:a14="http://schemas.microsoft.com/office/drawing/2010/main" val="0"/>
-              </a:ext>
-              <a:ext uri="{96DAC541-7B7A-43D3-8B79-37D633B846F1}">
-                <asvg:svgBlip xmlns:asvg="http://schemas.microsoft.com/office/drawing/2016/SVG/main" r:embed="rId5"/>
-              </a:ext>
-            </a:extLst>
-          </a:blip>
-          <a:stretch>
-            <a:fillRect/>
-          </a:stretch>
-        </p:blipFill>
+        </p:nvSpPr>
         <p:spPr>
           <a:xfrm>
-            <a:off x="6641431" y="816337"/>
-            <a:ext cx="5225327" cy="5225327"/>
+            <a:off x="6266810" y="5448626"/>
+            <a:ext cx="5925190" cy="1409374"/>
           </a:xfrm>
-          <a:prstGeom prst="rect">
+          <a:custGeom>
             <a:avLst/>
-          </a:prstGeom>
+            <a:gdLst>
+              <a:gd name="connsiteX0" fmla="*/ 652725 w 5925190"/>
+              <a:gd name="connsiteY0" fmla="*/ 0 h 1409374"/>
+              <a:gd name="connsiteX1" fmla="*/ 5925190 w 5925190"/>
+              <a:gd name="connsiteY1" fmla="*/ 0 h 1409374"/>
+              <a:gd name="connsiteX2" fmla="*/ 5925190 w 5925190"/>
+              <a:gd name="connsiteY2" fmla="*/ 1409374 h 1409374"/>
+              <a:gd name="connsiteX3" fmla="*/ 0 w 5925190"/>
+              <a:gd name="connsiteY3" fmla="*/ 1409374 h 1409374"/>
+            </a:gdLst>
+            <a:ahLst/>
+            <a:cxnLst>
+              <a:cxn ang="0">
+                <a:pos x="connsiteX0" y="connsiteY0"/>
+              </a:cxn>
+              <a:cxn ang="0">
+                <a:pos x="connsiteX1" y="connsiteY1"/>
+              </a:cxn>
+              <a:cxn ang="0">
+                <a:pos x="connsiteX2" y="connsiteY2"/>
+              </a:cxn>
+              <a:cxn ang="0">
+                <a:pos x="connsiteX3" y="connsiteY3"/>
+              </a:cxn>
+            </a:cxnLst>
+            <a:rect l="l" t="t" r="r" b="b"/>
+            <a:pathLst>
+              <a:path w="5925190" h="1409374">
+                <a:moveTo>
+                  <a:pt x="652725" y="0"/>
+                </a:moveTo>
+                <a:lnTo>
+                  <a:pt x="5925190" y="0"/>
+                </a:lnTo>
+                <a:lnTo>
+                  <a:pt x="5925190" y="1409374"/>
+                </a:lnTo>
+                <a:lnTo>
+                  <a:pt x="0" y="1409374"/>
+                </a:lnTo>
+                <a:close/>
+              </a:path>
+            </a:pathLst>
+          </a:custGeom>
+          <a:solidFill>
+            <a:srgbClr val="595959"/>
+          </a:solidFill>
+          <a:ln>
+            <a:noFill/>
+          </a:ln>
         </p:spPr>
-      </p:pic>
+        <p:style>
+          <a:lnRef idx="2">
+            <a:schemeClr val="accent1">
+              <a:shade val="50000"/>
+            </a:schemeClr>
+          </a:lnRef>
+          <a:fillRef idx="1">
+            <a:schemeClr val="accent1"/>
+          </a:fillRef>
+          <a:effectRef idx="0">
+            <a:schemeClr val="accent1"/>
+          </a:effectRef>
+          <a:fontRef idx="minor">
+            <a:schemeClr val="lt1"/>
+          </a:fontRef>
+        </p:style>
+        <p:txBody>
+          <a:bodyPr wrap="square" rtlCol="0" anchor="ctr">
+            <a:noAutofit/>
+          </a:bodyPr>
+          <a:lstStyle/>
+          <a:p>
+            <a:pPr algn="ctr"/>
+            <a:endParaRPr lang="en-US"/>
+          </a:p>
+        </p:txBody>
+      </p:sp>
     </p:spTree>
     <p:extLst>
       <p:ext uri="{BB962C8B-B14F-4D97-AF65-F5344CB8AC3E}">

--- a/PresentationDS_Final.pptx
+++ b/PresentationDS_Final.pptx
@@ -2204,7 +2204,7 @@
         <a:p>
           <a:r>
             <a:rPr lang="en-US" dirty="0"/>
-            <a:t>What are the technical skills employers are looking for? </a:t>
+            <a:t>What are the educational requirements?</a:t>
           </a:r>
         </a:p>
       </dgm:t>
@@ -2276,7 +2276,7 @@
         <a:p>
           <a:r>
             <a:rPr lang="en-US" dirty="0"/>
-            <a:t>What are the educational requirements?</a:t>
+            <a:t>What are the technical skills employers are looking for? </a:t>
           </a:r>
         </a:p>
       </dgm:t>
@@ -3078,7 +3078,7 @@
           </a:pPr>
           <a:r>
             <a:rPr lang="en-US" sz="3000" kern="1200" dirty="0"/>
-            <a:t>What are the technical skills employers are looking for? </a:t>
+            <a:t>What are the educational requirements?</a:t>
           </a:r>
         </a:p>
       </dsp:txBody>
@@ -3183,7 +3183,7 @@
           </a:pPr>
           <a:r>
             <a:rPr lang="en-US" sz="3000" kern="1200" dirty="0"/>
-            <a:t>What are the educational requirements?</a:t>
+            <a:t>What are the technical skills employers are looking for? </a:t>
           </a:r>
         </a:p>
       </dsp:txBody>
@@ -12139,7 +12139,7 @@
             <p:ph sz="half" idx="1"/>
             <p:extLst>
               <p:ext uri="{D42A27DB-BD31-4B8C-83A1-F6EECF244321}">
-                <p14:modId xmlns:p14="http://schemas.microsoft.com/office/powerpoint/2010/main" val="1045121430"/>
+                <p14:modId xmlns:p14="http://schemas.microsoft.com/office/powerpoint/2010/main" val="3184525986"/>
               </p:ext>
             </p:extLst>
           </p:nvPr>
